--- a/assets/images/Project_05_Fig01_Title.pptx
+++ b/assets/images/Project_05_Fig01_Title.pptx
@@ -2,12 +2,12 @@
 <file path=ppt/presentation.xml><?xml version="1.0" encoding="utf-8"?>
 <p:presentation xmlns:a="http://schemas.openxmlformats.org/drawingml/2006/main" xmlns:r="http://schemas.openxmlformats.org/officeDocument/2006/relationships" xmlns:p="http://schemas.openxmlformats.org/presentationml/2006/main" saveSubsetFonts="1" autoCompressPictures="0">
   <p:sldMasterIdLst>
-    <p:sldMasterId id="2147483780" r:id="rId1"/>
+    <p:sldMasterId id="2147483816" r:id="rId1"/>
   </p:sldMasterIdLst>
   <p:sldIdLst>
     <p:sldId id="257" r:id="rId2"/>
   </p:sldIdLst>
-  <p:sldSz cx="9875838" cy="8047038"/>
+  <p:sldSz cx="9885363" cy="7023100"/>
   <p:notesSz cx="6858000" cy="9144000"/>
   <p:defaultTextStyle>
     <a:defPPr>
@@ -141,15 +141,15 @@
         </p:nvSpPr>
         <p:spPr>
           <a:xfrm>
-            <a:off x="740688" y="1316958"/>
-            <a:ext cx="8394462" cy="2801561"/>
+            <a:off x="741402" y="1149383"/>
+            <a:ext cx="8402559" cy="2445079"/>
           </a:xfrm>
         </p:spPr>
         <p:txBody>
           <a:bodyPr anchor="b"/>
           <a:lstStyle>
             <a:lvl1pPr algn="ctr">
-              <a:defRPr sz="6480"/>
+              <a:defRPr sz="6145"/>
             </a:lvl1pPr>
           </a:lstStyle>
           <a:p>
@@ -173,8 +173,8 @@
         </p:nvSpPr>
         <p:spPr>
           <a:xfrm>
-            <a:off x="1234480" y="4226558"/>
-            <a:ext cx="7406879" cy="1942838"/>
+            <a:off x="1235671" y="3688754"/>
+            <a:ext cx="7414022" cy="1695623"/>
           </a:xfrm>
         </p:spPr>
         <p:txBody>
@@ -182,39 +182,39 @@
           <a:lstStyle>
             <a:lvl1pPr marL="0" indent="0" algn="ctr">
               <a:buNone/>
-              <a:defRPr sz="2592"/>
+              <a:defRPr sz="2458"/>
             </a:lvl1pPr>
-            <a:lvl2pPr marL="493776" indent="0" algn="ctr">
-              <a:buNone/>
-              <a:defRPr sz="2160"/>
+            <a:lvl2pPr marL="468219" indent="0" algn="ctr">
+              <a:buNone/>
+              <a:defRPr sz="2048"/>
             </a:lvl2pPr>
-            <a:lvl3pPr marL="987552" indent="0" algn="ctr">
-              <a:buNone/>
-              <a:defRPr sz="1944"/>
+            <a:lvl3pPr marL="936437" indent="0" algn="ctr">
+              <a:buNone/>
+              <a:defRPr sz="1843"/>
             </a:lvl3pPr>
-            <a:lvl4pPr marL="1481328" indent="0" algn="ctr">
-              <a:buNone/>
-              <a:defRPr sz="1728"/>
+            <a:lvl4pPr marL="1404656" indent="0" algn="ctr">
+              <a:buNone/>
+              <a:defRPr sz="1639"/>
             </a:lvl4pPr>
-            <a:lvl5pPr marL="1975104" indent="0" algn="ctr">
-              <a:buNone/>
-              <a:defRPr sz="1728"/>
+            <a:lvl5pPr marL="1872874" indent="0" algn="ctr">
+              <a:buNone/>
+              <a:defRPr sz="1639"/>
             </a:lvl5pPr>
-            <a:lvl6pPr marL="2468880" indent="0" algn="ctr">
-              <a:buNone/>
-              <a:defRPr sz="1728"/>
+            <a:lvl6pPr marL="2341093" indent="0" algn="ctr">
+              <a:buNone/>
+              <a:defRPr sz="1639"/>
             </a:lvl6pPr>
-            <a:lvl7pPr marL="2962656" indent="0" algn="ctr">
-              <a:buNone/>
-              <a:defRPr sz="1728"/>
+            <a:lvl7pPr marL="2809311" indent="0" algn="ctr">
+              <a:buNone/>
+              <a:defRPr sz="1639"/>
             </a:lvl7pPr>
-            <a:lvl8pPr marL="3456432" indent="0" algn="ctr">
-              <a:buNone/>
-              <a:defRPr sz="1728"/>
+            <a:lvl8pPr marL="3277530" indent="0" algn="ctr">
+              <a:buNone/>
+              <a:defRPr sz="1639"/>
             </a:lvl8pPr>
-            <a:lvl9pPr marL="3950208" indent="0" algn="ctr">
-              <a:buNone/>
-              <a:defRPr sz="1728"/>
+            <a:lvl9pPr marL="3745748" indent="0" algn="ctr">
+              <a:buNone/>
+              <a:defRPr sz="1639"/>
             </a:lvl9pPr>
           </a:lstStyle>
           <a:p>
@@ -294,7 +294,7 @@
     </p:spTree>
     <p:extLst>
       <p:ext uri="{BB962C8B-B14F-4D97-AF65-F5344CB8AC3E}">
-        <p14:creationId xmlns:p14="http://schemas.microsoft.com/office/powerpoint/2010/main" val="2028157382"/>
+        <p14:creationId xmlns:p14="http://schemas.microsoft.com/office/powerpoint/2010/main" val="1325159595"/>
       </p:ext>
     </p:extLst>
   </p:cSld>
@@ -464,7 +464,7 @@
     </p:spTree>
     <p:extLst>
       <p:ext uri="{BB962C8B-B14F-4D97-AF65-F5344CB8AC3E}">
-        <p14:creationId xmlns:p14="http://schemas.microsoft.com/office/powerpoint/2010/main" val="3689791958"/>
+        <p14:creationId xmlns:p14="http://schemas.microsoft.com/office/powerpoint/2010/main" val="2989684609"/>
       </p:ext>
     </p:extLst>
   </p:cSld>
@@ -503,8 +503,8 @@
         </p:nvSpPr>
         <p:spPr>
           <a:xfrm>
-            <a:off x="7067397" y="428430"/>
-            <a:ext cx="2129478" cy="6819493"/>
+            <a:off x="7074214" y="373915"/>
+            <a:ext cx="2131531" cy="5951753"/>
           </a:xfrm>
         </p:spPr>
         <p:txBody>
@@ -531,8 +531,8 @@
         </p:nvSpPr>
         <p:spPr>
           <a:xfrm>
-            <a:off x="678964" y="428430"/>
-            <a:ext cx="6264985" cy="6819493"/>
+            <a:off x="679619" y="373915"/>
+            <a:ext cx="6271027" cy="5951753"/>
           </a:xfrm>
         </p:spPr>
         <p:txBody>
@@ -644,7 +644,7 @@
     </p:spTree>
     <p:extLst>
       <p:ext uri="{BB962C8B-B14F-4D97-AF65-F5344CB8AC3E}">
-        <p14:creationId xmlns:p14="http://schemas.microsoft.com/office/powerpoint/2010/main" val="704774769"/>
+        <p14:creationId xmlns:p14="http://schemas.microsoft.com/office/powerpoint/2010/main" val="4256232531"/>
       </p:ext>
     </p:extLst>
   </p:cSld>
@@ -814,7 +814,7 @@
     </p:spTree>
     <p:extLst>
       <p:ext uri="{BB962C8B-B14F-4D97-AF65-F5344CB8AC3E}">
-        <p14:creationId xmlns:p14="http://schemas.microsoft.com/office/powerpoint/2010/main" val="722020606"/>
+        <p14:creationId xmlns:p14="http://schemas.microsoft.com/office/powerpoint/2010/main" val="3709895004"/>
       </p:ext>
     </p:extLst>
   </p:cSld>
@@ -853,15 +853,15 @@
         </p:nvSpPr>
         <p:spPr>
           <a:xfrm>
-            <a:off x="673821" y="2006173"/>
-            <a:ext cx="8517910" cy="3347344"/>
+            <a:off x="674470" y="1750900"/>
+            <a:ext cx="8526126" cy="2921414"/>
           </a:xfrm>
         </p:spPr>
         <p:txBody>
           <a:bodyPr anchor="b"/>
           <a:lstStyle>
             <a:lvl1pPr>
-              <a:defRPr sz="6480"/>
+              <a:defRPr sz="6145"/>
             </a:lvl1pPr>
           </a:lstStyle>
           <a:p>
@@ -885,8 +885,8 @@
         </p:nvSpPr>
         <p:spPr>
           <a:xfrm>
-            <a:off x="673821" y="5385184"/>
-            <a:ext cx="8517910" cy="1760289"/>
+            <a:off x="674470" y="4699951"/>
+            <a:ext cx="8526126" cy="1536303"/>
           </a:xfrm>
         </p:spPr>
         <p:txBody>
@@ -894,7 +894,7 @@
           <a:lstStyle>
             <a:lvl1pPr marL="0" indent="0">
               <a:buNone/>
-              <a:defRPr sz="2592">
+              <a:defRPr sz="2458">
                 <a:solidFill>
                   <a:schemeClr val="tx1">
                     <a:tint val="82000"/>
@@ -902,9 +902,9 @@
                 </a:solidFill>
               </a:defRPr>
             </a:lvl1pPr>
-            <a:lvl2pPr marL="493776" indent="0">
-              <a:buNone/>
-              <a:defRPr sz="2160">
+            <a:lvl2pPr marL="468219" indent="0">
+              <a:buNone/>
+              <a:defRPr sz="2048">
                 <a:solidFill>
                   <a:schemeClr val="tx1">
                     <a:tint val="82000"/>
@@ -912,9 +912,9 @@
                 </a:solidFill>
               </a:defRPr>
             </a:lvl2pPr>
-            <a:lvl3pPr marL="987552" indent="0">
-              <a:buNone/>
-              <a:defRPr sz="1944">
+            <a:lvl3pPr marL="936437" indent="0">
+              <a:buNone/>
+              <a:defRPr sz="1843">
                 <a:solidFill>
                   <a:schemeClr val="tx1">
                     <a:tint val="82000"/>
@@ -922,9 +922,9 @@
                 </a:solidFill>
               </a:defRPr>
             </a:lvl3pPr>
-            <a:lvl4pPr marL="1481328" indent="0">
-              <a:buNone/>
-              <a:defRPr sz="1728">
+            <a:lvl4pPr marL="1404656" indent="0">
+              <a:buNone/>
+              <a:defRPr sz="1639">
                 <a:solidFill>
                   <a:schemeClr val="tx1">
                     <a:tint val="82000"/>
@@ -932,9 +932,9 @@
                 </a:solidFill>
               </a:defRPr>
             </a:lvl4pPr>
-            <a:lvl5pPr marL="1975104" indent="0">
-              <a:buNone/>
-              <a:defRPr sz="1728">
+            <a:lvl5pPr marL="1872874" indent="0">
+              <a:buNone/>
+              <a:defRPr sz="1639">
                 <a:solidFill>
                   <a:schemeClr val="tx1">
                     <a:tint val="82000"/>
@@ -942,9 +942,9 @@
                 </a:solidFill>
               </a:defRPr>
             </a:lvl5pPr>
-            <a:lvl6pPr marL="2468880" indent="0">
-              <a:buNone/>
-              <a:defRPr sz="1728">
+            <a:lvl6pPr marL="2341093" indent="0">
+              <a:buNone/>
+              <a:defRPr sz="1639">
                 <a:solidFill>
                   <a:schemeClr val="tx1">
                     <a:tint val="82000"/>
@@ -952,9 +952,9 @@
                 </a:solidFill>
               </a:defRPr>
             </a:lvl6pPr>
-            <a:lvl7pPr marL="2962656" indent="0">
-              <a:buNone/>
-              <a:defRPr sz="1728">
+            <a:lvl7pPr marL="2809311" indent="0">
+              <a:buNone/>
+              <a:defRPr sz="1639">
                 <a:solidFill>
                   <a:schemeClr val="tx1">
                     <a:tint val="82000"/>
@@ -962,9 +962,9 @@
                 </a:solidFill>
               </a:defRPr>
             </a:lvl7pPr>
-            <a:lvl8pPr marL="3456432" indent="0">
-              <a:buNone/>
-              <a:defRPr sz="1728">
+            <a:lvl8pPr marL="3277530" indent="0">
+              <a:buNone/>
+              <a:defRPr sz="1639">
                 <a:solidFill>
                   <a:schemeClr val="tx1">
                     <a:tint val="82000"/>
@@ -972,9 +972,9 @@
                 </a:solidFill>
               </a:defRPr>
             </a:lvl8pPr>
-            <a:lvl9pPr marL="3950208" indent="0">
-              <a:buNone/>
-              <a:defRPr sz="1728">
+            <a:lvl9pPr marL="3745748" indent="0">
+              <a:buNone/>
+              <a:defRPr sz="1639">
                 <a:solidFill>
                   <a:schemeClr val="tx1">
                     <a:tint val="82000"/>
@@ -1060,7 +1060,7 @@
     </p:spTree>
     <p:extLst>
       <p:ext uri="{BB962C8B-B14F-4D97-AF65-F5344CB8AC3E}">
-        <p14:creationId xmlns:p14="http://schemas.microsoft.com/office/powerpoint/2010/main" val="3043727674"/>
+        <p14:creationId xmlns:p14="http://schemas.microsoft.com/office/powerpoint/2010/main" val="2040995713"/>
       </p:ext>
     </p:extLst>
   </p:cSld>
@@ -1122,8 +1122,8 @@
         </p:nvSpPr>
         <p:spPr>
           <a:xfrm>
-            <a:off x="678964" y="2142151"/>
-            <a:ext cx="4197231" cy="5105772"/>
+            <a:off x="679619" y="1869575"/>
+            <a:ext cx="4201279" cy="4456092"/>
           </a:xfrm>
         </p:spPr>
         <p:txBody>
@@ -1179,8 +1179,8 @@
         </p:nvSpPr>
         <p:spPr>
           <a:xfrm>
-            <a:off x="4999643" y="2142151"/>
-            <a:ext cx="4197231" cy="5105772"/>
+            <a:off x="5004465" y="1869575"/>
+            <a:ext cx="4201279" cy="4456092"/>
           </a:xfrm>
         </p:spPr>
         <p:txBody>
@@ -1292,7 +1292,7 @@
     </p:spTree>
     <p:extLst>
       <p:ext uri="{BB962C8B-B14F-4D97-AF65-F5344CB8AC3E}">
-        <p14:creationId xmlns:p14="http://schemas.microsoft.com/office/powerpoint/2010/main" val="1578425030"/>
+        <p14:creationId xmlns:p14="http://schemas.microsoft.com/office/powerpoint/2010/main" val="1220346932"/>
       </p:ext>
     </p:extLst>
   </p:cSld>
@@ -1331,8 +1331,8 @@
         </p:nvSpPr>
         <p:spPr>
           <a:xfrm>
-            <a:off x="680250" y="428432"/>
-            <a:ext cx="8517910" cy="1555389"/>
+            <a:off x="680906" y="373916"/>
+            <a:ext cx="8526126" cy="1357475"/>
           </a:xfrm>
         </p:spPr>
         <p:txBody>
@@ -1359,8 +1359,8 @@
         </p:nvSpPr>
         <p:spPr>
           <a:xfrm>
-            <a:off x="680251" y="1972642"/>
-            <a:ext cx="4177942" cy="966762"/>
+            <a:off x="680907" y="1721635"/>
+            <a:ext cx="4181971" cy="843747"/>
           </a:xfrm>
         </p:spPr>
         <p:txBody>
@@ -1368,39 +1368,39 @@
           <a:lstStyle>
             <a:lvl1pPr marL="0" indent="0">
               <a:buNone/>
-              <a:defRPr sz="2592" b="1"/>
+              <a:defRPr sz="2458" b="1"/>
             </a:lvl1pPr>
-            <a:lvl2pPr marL="493776" indent="0">
-              <a:buNone/>
-              <a:defRPr sz="2160" b="1"/>
+            <a:lvl2pPr marL="468219" indent="0">
+              <a:buNone/>
+              <a:defRPr sz="2048" b="1"/>
             </a:lvl2pPr>
-            <a:lvl3pPr marL="987552" indent="0">
-              <a:buNone/>
-              <a:defRPr sz="1944" b="1"/>
+            <a:lvl3pPr marL="936437" indent="0">
+              <a:buNone/>
+              <a:defRPr sz="1843" b="1"/>
             </a:lvl3pPr>
-            <a:lvl4pPr marL="1481328" indent="0">
-              <a:buNone/>
-              <a:defRPr sz="1728" b="1"/>
+            <a:lvl4pPr marL="1404656" indent="0">
+              <a:buNone/>
+              <a:defRPr sz="1639" b="1"/>
             </a:lvl4pPr>
-            <a:lvl5pPr marL="1975104" indent="0">
-              <a:buNone/>
-              <a:defRPr sz="1728" b="1"/>
+            <a:lvl5pPr marL="1872874" indent="0">
+              <a:buNone/>
+              <a:defRPr sz="1639" b="1"/>
             </a:lvl5pPr>
-            <a:lvl6pPr marL="2468880" indent="0">
-              <a:buNone/>
-              <a:defRPr sz="1728" b="1"/>
+            <a:lvl6pPr marL="2341093" indent="0">
+              <a:buNone/>
+              <a:defRPr sz="1639" b="1"/>
             </a:lvl6pPr>
-            <a:lvl7pPr marL="2962656" indent="0">
-              <a:buNone/>
-              <a:defRPr sz="1728" b="1"/>
+            <a:lvl7pPr marL="2809311" indent="0">
+              <a:buNone/>
+              <a:defRPr sz="1639" b="1"/>
             </a:lvl7pPr>
-            <a:lvl8pPr marL="3456432" indent="0">
-              <a:buNone/>
-              <a:defRPr sz="1728" b="1"/>
+            <a:lvl8pPr marL="3277530" indent="0">
+              <a:buNone/>
+              <a:defRPr sz="1639" b="1"/>
             </a:lvl8pPr>
-            <a:lvl9pPr marL="3950208" indent="0">
-              <a:buNone/>
-              <a:defRPr sz="1728" b="1"/>
+            <a:lvl9pPr marL="3745748" indent="0">
+              <a:buNone/>
+              <a:defRPr sz="1639" b="1"/>
             </a:lvl9pPr>
           </a:lstStyle>
           <a:p>
@@ -1424,8 +1424,8 @@
         </p:nvSpPr>
         <p:spPr>
           <a:xfrm>
-            <a:off x="680251" y="2939404"/>
-            <a:ext cx="4177942" cy="4323421"/>
+            <a:off x="680907" y="2565382"/>
+            <a:ext cx="4181971" cy="3773291"/>
           </a:xfrm>
         </p:spPr>
         <p:txBody>
@@ -1481,8 +1481,8 @@
         </p:nvSpPr>
         <p:spPr>
           <a:xfrm>
-            <a:off x="4999644" y="1972642"/>
-            <a:ext cx="4198517" cy="966762"/>
+            <a:off x="5004465" y="1721635"/>
+            <a:ext cx="4202567" cy="843747"/>
           </a:xfrm>
         </p:spPr>
         <p:txBody>
@@ -1490,39 +1490,39 @@
           <a:lstStyle>
             <a:lvl1pPr marL="0" indent="0">
               <a:buNone/>
-              <a:defRPr sz="2592" b="1"/>
+              <a:defRPr sz="2458" b="1"/>
             </a:lvl1pPr>
-            <a:lvl2pPr marL="493776" indent="0">
-              <a:buNone/>
-              <a:defRPr sz="2160" b="1"/>
+            <a:lvl2pPr marL="468219" indent="0">
+              <a:buNone/>
+              <a:defRPr sz="2048" b="1"/>
             </a:lvl2pPr>
-            <a:lvl3pPr marL="987552" indent="0">
-              <a:buNone/>
-              <a:defRPr sz="1944" b="1"/>
+            <a:lvl3pPr marL="936437" indent="0">
+              <a:buNone/>
+              <a:defRPr sz="1843" b="1"/>
             </a:lvl3pPr>
-            <a:lvl4pPr marL="1481328" indent="0">
-              <a:buNone/>
-              <a:defRPr sz="1728" b="1"/>
+            <a:lvl4pPr marL="1404656" indent="0">
+              <a:buNone/>
+              <a:defRPr sz="1639" b="1"/>
             </a:lvl4pPr>
-            <a:lvl5pPr marL="1975104" indent="0">
-              <a:buNone/>
-              <a:defRPr sz="1728" b="1"/>
+            <a:lvl5pPr marL="1872874" indent="0">
+              <a:buNone/>
+              <a:defRPr sz="1639" b="1"/>
             </a:lvl5pPr>
-            <a:lvl6pPr marL="2468880" indent="0">
-              <a:buNone/>
-              <a:defRPr sz="1728" b="1"/>
+            <a:lvl6pPr marL="2341093" indent="0">
+              <a:buNone/>
+              <a:defRPr sz="1639" b="1"/>
             </a:lvl6pPr>
-            <a:lvl7pPr marL="2962656" indent="0">
-              <a:buNone/>
-              <a:defRPr sz="1728" b="1"/>
+            <a:lvl7pPr marL="2809311" indent="0">
+              <a:buNone/>
+              <a:defRPr sz="1639" b="1"/>
             </a:lvl7pPr>
-            <a:lvl8pPr marL="3456432" indent="0">
-              <a:buNone/>
-              <a:defRPr sz="1728" b="1"/>
+            <a:lvl8pPr marL="3277530" indent="0">
+              <a:buNone/>
+              <a:defRPr sz="1639" b="1"/>
             </a:lvl8pPr>
-            <a:lvl9pPr marL="3950208" indent="0">
-              <a:buNone/>
-              <a:defRPr sz="1728" b="1"/>
+            <a:lvl9pPr marL="3745748" indent="0">
+              <a:buNone/>
+              <a:defRPr sz="1639" b="1"/>
             </a:lvl9pPr>
           </a:lstStyle>
           <a:p>
@@ -1546,8 +1546,8 @@
         </p:nvSpPr>
         <p:spPr>
           <a:xfrm>
-            <a:off x="4999644" y="2939404"/>
-            <a:ext cx="4198517" cy="4323421"/>
+            <a:off x="5004465" y="2565382"/>
+            <a:ext cx="4202567" cy="3773291"/>
           </a:xfrm>
         </p:spPr>
         <p:txBody>
@@ -1659,7 +1659,7 @@
     </p:spTree>
     <p:extLst>
       <p:ext uri="{BB962C8B-B14F-4D97-AF65-F5344CB8AC3E}">
-        <p14:creationId xmlns:p14="http://schemas.microsoft.com/office/powerpoint/2010/main" val="3721244348"/>
+        <p14:creationId xmlns:p14="http://schemas.microsoft.com/office/powerpoint/2010/main" val="3817151814"/>
       </p:ext>
     </p:extLst>
   </p:cSld>
@@ -1777,7 +1777,7 @@
     </p:spTree>
     <p:extLst>
       <p:ext uri="{BB962C8B-B14F-4D97-AF65-F5344CB8AC3E}">
-        <p14:creationId xmlns:p14="http://schemas.microsoft.com/office/powerpoint/2010/main" val="536843855"/>
+        <p14:creationId xmlns:p14="http://schemas.microsoft.com/office/powerpoint/2010/main" val="1346126379"/>
       </p:ext>
     </p:extLst>
   </p:cSld>
@@ -1872,7 +1872,7 @@
     </p:spTree>
     <p:extLst>
       <p:ext uri="{BB962C8B-B14F-4D97-AF65-F5344CB8AC3E}">
-        <p14:creationId xmlns:p14="http://schemas.microsoft.com/office/powerpoint/2010/main" val="2232636337"/>
+        <p14:creationId xmlns:p14="http://schemas.microsoft.com/office/powerpoint/2010/main" val="1917432413"/>
       </p:ext>
     </p:extLst>
   </p:cSld>
@@ -1911,15 +1911,15 @@
         </p:nvSpPr>
         <p:spPr>
           <a:xfrm>
-            <a:off x="680250" y="536469"/>
-            <a:ext cx="3185215" cy="1877642"/>
+            <a:off x="680906" y="468207"/>
+            <a:ext cx="3188287" cy="1638723"/>
           </a:xfrm>
         </p:spPr>
         <p:txBody>
           <a:bodyPr anchor="b"/>
           <a:lstStyle>
             <a:lvl1pPr>
-              <a:defRPr sz="3456"/>
+              <a:defRPr sz="3277"/>
             </a:lvl1pPr>
           </a:lstStyle>
           <a:p>
@@ -1943,39 +1943,39 @@
         </p:nvSpPr>
         <p:spPr>
           <a:xfrm>
-            <a:off x="4198517" y="1158626"/>
-            <a:ext cx="4999643" cy="5718613"/>
+            <a:off x="4202567" y="1011198"/>
+            <a:ext cx="5004465" cy="4990953"/>
           </a:xfrm>
         </p:spPr>
         <p:txBody>
           <a:bodyPr/>
           <a:lstStyle>
             <a:lvl1pPr>
-              <a:defRPr sz="3456"/>
+              <a:defRPr sz="3277"/>
             </a:lvl1pPr>
             <a:lvl2pPr>
-              <a:defRPr sz="3024"/>
+              <a:defRPr sz="2867"/>
             </a:lvl2pPr>
             <a:lvl3pPr>
-              <a:defRPr sz="2592"/>
+              <a:defRPr sz="2458"/>
             </a:lvl3pPr>
             <a:lvl4pPr>
-              <a:defRPr sz="2160"/>
+              <a:defRPr sz="2048"/>
             </a:lvl4pPr>
             <a:lvl5pPr>
-              <a:defRPr sz="2160"/>
+              <a:defRPr sz="2048"/>
             </a:lvl5pPr>
             <a:lvl6pPr>
-              <a:defRPr sz="2160"/>
+              <a:defRPr sz="2048"/>
             </a:lvl6pPr>
             <a:lvl7pPr>
-              <a:defRPr sz="2160"/>
+              <a:defRPr sz="2048"/>
             </a:lvl7pPr>
             <a:lvl8pPr>
-              <a:defRPr sz="2160"/>
+              <a:defRPr sz="2048"/>
             </a:lvl8pPr>
             <a:lvl9pPr>
-              <a:defRPr sz="2160"/>
+              <a:defRPr sz="2048"/>
             </a:lvl9pPr>
           </a:lstStyle>
           <a:p>
@@ -2028,8 +2028,8 @@
         </p:nvSpPr>
         <p:spPr>
           <a:xfrm>
-            <a:off x="680250" y="2414111"/>
-            <a:ext cx="3185215" cy="4472440"/>
+            <a:off x="680906" y="2106930"/>
+            <a:ext cx="3188287" cy="3903348"/>
           </a:xfrm>
         </p:spPr>
         <p:txBody>
@@ -2037,39 +2037,39 @@
           <a:lstStyle>
             <a:lvl1pPr marL="0" indent="0">
               <a:buNone/>
-              <a:defRPr sz="1728"/>
+              <a:defRPr sz="1639"/>
             </a:lvl1pPr>
-            <a:lvl2pPr marL="493776" indent="0">
-              <a:buNone/>
-              <a:defRPr sz="1512"/>
+            <a:lvl2pPr marL="468219" indent="0">
+              <a:buNone/>
+              <a:defRPr sz="1434"/>
             </a:lvl2pPr>
-            <a:lvl3pPr marL="987552" indent="0">
-              <a:buNone/>
-              <a:defRPr sz="1296"/>
+            <a:lvl3pPr marL="936437" indent="0">
+              <a:buNone/>
+              <a:defRPr sz="1229"/>
             </a:lvl3pPr>
-            <a:lvl4pPr marL="1481328" indent="0">
-              <a:buNone/>
-              <a:defRPr sz="1080"/>
+            <a:lvl4pPr marL="1404656" indent="0">
+              <a:buNone/>
+              <a:defRPr sz="1024"/>
             </a:lvl4pPr>
-            <a:lvl5pPr marL="1975104" indent="0">
-              <a:buNone/>
-              <a:defRPr sz="1080"/>
+            <a:lvl5pPr marL="1872874" indent="0">
+              <a:buNone/>
+              <a:defRPr sz="1024"/>
             </a:lvl5pPr>
-            <a:lvl6pPr marL="2468880" indent="0">
-              <a:buNone/>
-              <a:defRPr sz="1080"/>
+            <a:lvl6pPr marL="2341093" indent="0">
+              <a:buNone/>
+              <a:defRPr sz="1024"/>
             </a:lvl6pPr>
-            <a:lvl7pPr marL="2962656" indent="0">
-              <a:buNone/>
-              <a:defRPr sz="1080"/>
+            <a:lvl7pPr marL="2809311" indent="0">
+              <a:buNone/>
+              <a:defRPr sz="1024"/>
             </a:lvl7pPr>
-            <a:lvl8pPr marL="3456432" indent="0">
-              <a:buNone/>
-              <a:defRPr sz="1080"/>
+            <a:lvl8pPr marL="3277530" indent="0">
+              <a:buNone/>
+              <a:defRPr sz="1024"/>
             </a:lvl8pPr>
-            <a:lvl9pPr marL="3950208" indent="0">
-              <a:buNone/>
-              <a:defRPr sz="1080"/>
+            <a:lvl9pPr marL="3745748" indent="0">
+              <a:buNone/>
+              <a:defRPr sz="1024"/>
             </a:lvl9pPr>
           </a:lstStyle>
           <a:p>
@@ -2149,7 +2149,7 @@
     </p:spTree>
     <p:extLst>
       <p:ext uri="{BB962C8B-B14F-4D97-AF65-F5344CB8AC3E}">
-        <p14:creationId xmlns:p14="http://schemas.microsoft.com/office/powerpoint/2010/main" val="318753271"/>
+        <p14:creationId xmlns:p14="http://schemas.microsoft.com/office/powerpoint/2010/main" val="2193549550"/>
       </p:ext>
     </p:extLst>
   </p:cSld>
@@ -2188,15 +2188,15 @@
         </p:nvSpPr>
         <p:spPr>
           <a:xfrm>
-            <a:off x="680250" y="536469"/>
-            <a:ext cx="3185215" cy="1877642"/>
+            <a:off x="680906" y="468207"/>
+            <a:ext cx="3188287" cy="1638723"/>
           </a:xfrm>
         </p:spPr>
         <p:txBody>
           <a:bodyPr anchor="b"/>
           <a:lstStyle>
             <a:lvl1pPr>
-              <a:defRPr sz="3456"/>
+              <a:defRPr sz="3277"/>
             </a:lvl1pPr>
           </a:lstStyle>
           <a:p>
@@ -2220,8 +2220,8 @@
         </p:nvSpPr>
         <p:spPr>
           <a:xfrm>
-            <a:off x="4198517" y="1158626"/>
-            <a:ext cx="4999643" cy="5718613"/>
+            <a:off x="4202567" y="1011198"/>
+            <a:ext cx="5004465" cy="4990953"/>
           </a:xfrm>
         </p:spPr>
         <p:txBody>
@@ -2229,39 +2229,39 @@
           <a:lstStyle>
             <a:lvl1pPr marL="0" indent="0">
               <a:buNone/>
-              <a:defRPr sz="3456"/>
+              <a:defRPr sz="3277"/>
             </a:lvl1pPr>
-            <a:lvl2pPr marL="493776" indent="0">
-              <a:buNone/>
-              <a:defRPr sz="3024"/>
+            <a:lvl2pPr marL="468219" indent="0">
+              <a:buNone/>
+              <a:defRPr sz="2867"/>
             </a:lvl2pPr>
-            <a:lvl3pPr marL="987552" indent="0">
-              <a:buNone/>
-              <a:defRPr sz="2592"/>
+            <a:lvl3pPr marL="936437" indent="0">
+              <a:buNone/>
+              <a:defRPr sz="2458"/>
             </a:lvl3pPr>
-            <a:lvl4pPr marL="1481328" indent="0">
-              <a:buNone/>
-              <a:defRPr sz="2160"/>
+            <a:lvl4pPr marL="1404656" indent="0">
+              <a:buNone/>
+              <a:defRPr sz="2048"/>
             </a:lvl4pPr>
-            <a:lvl5pPr marL="1975104" indent="0">
-              <a:buNone/>
-              <a:defRPr sz="2160"/>
+            <a:lvl5pPr marL="1872874" indent="0">
+              <a:buNone/>
+              <a:defRPr sz="2048"/>
             </a:lvl5pPr>
-            <a:lvl6pPr marL="2468880" indent="0">
-              <a:buNone/>
-              <a:defRPr sz="2160"/>
+            <a:lvl6pPr marL="2341093" indent="0">
+              <a:buNone/>
+              <a:defRPr sz="2048"/>
             </a:lvl6pPr>
-            <a:lvl7pPr marL="2962656" indent="0">
-              <a:buNone/>
-              <a:defRPr sz="2160"/>
+            <a:lvl7pPr marL="2809311" indent="0">
+              <a:buNone/>
+              <a:defRPr sz="2048"/>
             </a:lvl7pPr>
-            <a:lvl8pPr marL="3456432" indent="0">
-              <a:buNone/>
-              <a:defRPr sz="2160"/>
+            <a:lvl8pPr marL="3277530" indent="0">
+              <a:buNone/>
+              <a:defRPr sz="2048"/>
             </a:lvl8pPr>
-            <a:lvl9pPr marL="3950208" indent="0">
-              <a:buNone/>
-              <a:defRPr sz="2160"/>
+            <a:lvl9pPr marL="3745748" indent="0">
+              <a:buNone/>
+              <a:defRPr sz="2048"/>
             </a:lvl9pPr>
           </a:lstStyle>
           <a:p>
@@ -2285,8 +2285,8 @@
         </p:nvSpPr>
         <p:spPr>
           <a:xfrm>
-            <a:off x="680250" y="2414111"/>
-            <a:ext cx="3185215" cy="4472440"/>
+            <a:off x="680906" y="2106930"/>
+            <a:ext cx="3188287" cy="3903348"/>
           </a:xfrm>
         </p:spPr>
         <p:txBody>
@@ -2294,39 +2294,39 @@
           <a:lstStyle>
             <a:lvl1pPr marL="0" indent="0">
               <a:buNone/>
-              <a:defRPr sz="1728"/>
+              <a:defRPr sz="1639"/>
             </a:lvl1pPr>
-            <a:lvl2pPr marL="493776" indent="0">
-              <a:buNone/>
-              <a:defRPr sz="1512"/>
+            <a:lvl2pPr marL="468219" indent="0">
+              <a:buNone/>
+              <a:defRPr sz="1434"/>
             </a:lvl2pPr>
-            <a:lvl3pPr marL="987552" indent="0">
-              <a:buNone/>
-              <a:defRPr sz="1296"/>
+            <a:lvl3pPr marL="936437" indent="0">
+              <a:buNone/>
+              <a:defRPr sz="1229"/>
             </a:lvl3pPr>
-            <a:lvl4pPr marL="1481328" indent="0">
-              <a:buNone/>
-              <a:defRPr sz="1080"/>
+            <a:lvl4pPr marL="1404656" indent="0">
+              <a:buNone/>
+              <a:defRPr sz="1024"/>
             </a:lvl4pPr>
-            <a:lvl5pPr marL="1975104" indent="0">
-              <a:buNone/>
-              <a:defRPr sz="1080"/>
+            <a:lvl5pPr marL="1872874" indent="0">
+              <a:buNone/>
+              <a:defRPr sz="1024"/>
             </a:lvl5pPr>
-            <a:lvl6pPr marL="2468880" indent="0">
-              <a:buNone/>
-              <a:defRPr sz="1080"/>
+            <a:lvl6pPr marL="2341093" indent="0">
+              <a:buNone/>
+              <a:defRPr sz="1024"/>
             </a:lvl6pPr>
-            <a:lvl7pPr marL="2962656" indent="0">
-              <a:buNone/>
-              <a:defRPr sz="1080"/>
+            <a:lvl7pPr marL="2809311" indent="0">
+              <a:buNone/>
+              <a:defRPr sz="1024"/>
             </a:lvl7pPr>
-            <a:lvl8pPr marL="3456432" indent="0">
-              <a:buNone/>
-              <a:defRPr sz="1080"/>
+            <a:lvl8pPr marL="3277530" indent="0">
+              <a:buNone/>
+              <a:defRPr sz="1024"/>
             </a:lvl8pPr>
-            <a:lvl9pPr marL="3950208" indent="0">
-              <a:buNone/>
-              <a:defRPr sz="1080"/>
+            <a:lvl9pPr marL="3745748" indent="0">
+              <a:buNone/>
+              <a:defRPr sz="1024"/>
             </a:lvl9pPr>
           </a:lstStyle>
           <a:p>
@@ -2406,7 +2406,7 @@
     </p:spTree>
     <p:extLst>
       <p:ext uri="{BB962C8B-B14F-4D97-AF65-F5344CB8AC3E}">
-        <p14:creationId xmlns:p14="http://schemas.microsoft.com/office/powerpoint/2010/main" val="394546421"/>
+        <p14:creationId xmlns:p14="http://schemas.microsoft.com/office/powerpoint/2010/main" val="611693008"/>
       </p:ext>
     </p:extLst>
   </p:cSld>
@@ -2450,8 +2450,8 @@
         </p:nvSpPr>
         <p:spPr>
           <a:xfrm>
-            <a:off x="678964" y="428432"/>
-            <a:ext cx="8517910" cy="1555389"/>
+            <a:off x="679619" y="373916"/>
+            <a:ext cx="8526126" cy="1357475"/>
           </a:xfrm>
           <a:prstGeom prst="rect">
             <a:avLst/>
@@ -2483,8 +2483,8 @@
         </p:nvSpPr>
         <p:spPr>
           <a:xfrm>
-            <a:off x="678964" y="2142151"/>
-            <a:ext cx="8517910" cy="5105772"/>
+            <a:off x="679619" y="1869575"/>
+            <a:ext cx="8526126" cy="4456092"/>
           </a:xfrm>
           <a:prstGeom prst="rect">
             <a:avLst/>
@@ -2545,8 +2545,8 @@
         </p:nvSpPr>
         <p:spPr>
           <a:xfrm>
-            <a:off x="678964" y="7458414"/>
-            <a:ext cx="2222064" cy="428430"/>
+            <a:off x="679619" y="6509375"/>
+            <a:ext cx="2224207" cy="373915"/>
           </a:xfrm>
           <a:prstGeom prst="rect">
             <a:avLst/>
@@ -2556,7 +2556,7 @@
           <a:bodyPr vert="horz" lIns="91440" tIns="45720" rIns="91440" bIns="45720" rtlCol="0" anchor="ctr"/>
           <a:lstStyle>
             <a:lvl1pPr algn="l">
-              <a:defRPr sz="1296">
+              <a:defRPr sz="1229">
                 <a:solidFill>
                   <a:schemeClr val="tx1">
                     <a:tint val="82000"/>
@@ -2586,8 +2586,8 @@
         </p:nvSpPr>
         <p:spPr>
           <a:xfrm>
-            <a:off x="3271372" y="7458414"/>
-            <a:ext cx="3333095" cy="428430"/>
+            <a:off x="3274527" y="6509375"/>
+            <a:ext cx="3336310" cy="373915"/>
           </a:xfrm>
           <a:prstGeom prst="rect">
             <a:avLst/>
@@ -2597,7 +2597,7 @@
           <a:bodyPr vert="horz" lIns="91440" tIns="45720" rIns="91440" bIns="45720" rtlCol="0" anchor="ctr"/>
           <a:lstStyle>
             <a:lvl1pPr algn="ctr">
-              <a:defRPr sz="1296">
+              <a:defRPr sz="1229">
                 <a:solidFill>
                   <a:schemeClr val="tx1">
                     <a:tint val="82000"/>
@@ -2623,8 +2623,8 @@
         </p:nvSpPr>
         <p:spPr>
           <a:xfrm>
-            <a:off x="6974810" y="7458414"/>
-            <a:ext cx="2222064" cy="428430"/>
+            <a:off x="6981537" y="6509375"/>
+            <a:ext cx="2224207" cy="373915"/>
           </a:xfrm>
           <a:prstGeom prst="rect">
             <a:avLst/>
@@ -2634,7 +2634,7 @@
           <a:bodyPr vert="horz" lIns="91440" tIns="45720" rIns="91440" bIns="45720" rtlCol="0" anchor="ctr"/>
           <a:lstStyle>
             <a:lvl1pPr algn="r">
-              <a:defRPr sz="1296">
+              <a:defRPr sz="1229">
                 <a:solidFill>
                   <a:schemeClr val="tx1">
                     <a:tint val="82000"/>
@@ -2655,27 +2655,27 @@
     </p:spTree>
     <p:extLst>
       <p:ext uri="{BB962C8B-B14F-4D97-AF65-F5344CB8AC3E}">
-        <p14:creationId xmlns:p14="http://schemas.microsoft.com/office/powerpoint/2010/main" val="704899792"/>
+        <p14:creationId xmlns:p14="http://schemas.microsoft.com/office/powerpoint/2010/main" val="3358656833"/>
       </p:ext>
     </p:extLst>
   </p:cSld>
   <p:clrMap bg1="lt1" tx1="dk1" bg2="lt2" tx2="dk2" accent1="accent1" accent2="accent2" accent3="accent3" accent4="accent4" accent5="accent5" accent6="accent6" hlink="hlink" folHlink="folHlink"/>
   <p:sldLayoutIdLst>
-    <p:sldLayoutId id="2147483781" r:id="rId1"/>
-    <p:sldLayoutId id="2147483782" r:id="rId2"/>
-    <p:sldLayoutId id="2147483783" r:id="rId3"/>
-    <p:sldLayoutId id="2147483784" r:id="rId4"/>
-    <p:sldLayoutId id="2147483785" r:id="rId5"/>
-    <p:sldLayoutId id="2147483786" r:id="rId6"/>
-    <p:sldLayoutId id="2147483787" r:id="rId7"/>
-    <p:sldLayoutId id="2147483788" r:id="rId8"/>
-    <p:sldLayoutId id="2147483789" r:id="rId9"/>
-    <p:sldLayoutId id="2147483790" r:id="rId10"/>
-    <p:sldLayoutId id="2147483791" r:id="rId11"/>
+    <p:sldLayoutId id="2147483817" r:id="rId1"/>
+    <p:sldLayoutId id="2147483818" r:id="rId2"/>
+    <p:sldLayoutId id="2147483819" r:id="rId3"/>
+    <p:sldLayoutId id="2147483820" r:id="rId4"/>
+    <p:sldLayoutId id="2147483821" r:id="rId5"/>
+    <p:sldLayoutId id="2147483822" r:id="rId6"/>
+    <p:sldLayoutId id="2147483823" r:id="rId7"/>
+    <p:sldLayoutId id="2147483824" r:id="rId8"/>
+    <p:sldLayoutId id="2147483825" r:id="rId9"/>
+    <p:sldLayoutId id="2147483826" r:id="rId10"/>
+    <p:sldLayoutId id="2147483827" r:id="rId11"/>
   </p:sldLayoutIdLst>
   <p:txStyles>
     <p:titleStyle>
-      <a:lvl1pPr algn="l" defTabSz="987552" rtl="0" eaLnBrk="1" latinLnBrk="0" hangingPunct="1">
+      <a:lvl1pPr algn="l" defTabSz="936437" rtl="0" eaLnBrk="1" latinLnBrk="0" hangingPunct="1">
         <a:lnSpc>
           <a:spcPct val="90000"/>
         </a:lnSpc>
@@ -2683,7 +2683,7 @@
           <a:spcPct val="0"/>
         </a:spcBef>
         <a:buNone/>
-        <a:defRPr sz="4752" kern="1200">
+        <a:defRPr sz="4506" kern="1200">
           <a:solidFill>
             <a:schemeClr val="tx1"/>
           </a:solidFill>
@@ -2694,16 +2694,16 @@
       </a:lvl1pPr>
     </p:titleStyle>
     <p:bodyStyle>
-      <a:lvl1pPr marL="246888" indent="-246888" algn="l" defTabSz="987552" rtl="0" eaLnBrk="1" latinLnBrk="0" hangingPunct="1">
+      <a:lvl1pPr marL="234109" indent="-234109" algn="l" defTabSz="936437" rtl="0" eaLnBrk="1" latinLnBrk="0" hangingPunct="1">
         <a:lnSpc>
           <a:spcPct val="90000"/>
         </a:lnSpc>
         <a:spcBef>
-          <a:spcPts val="1080"/>
+          <a:spcPts val="1024"/>
         </a:spcBef>
         <a:buFont typeface="Arial" panose="020B0604020202020204" pitchFamily="34" charset="0"/>
         <a:buChar char="•"/>
-        <a:defRPr sz="3024" kern="1200">
+        <a:defRPr sz="2867" kern="1200">
           <a:solidFill>
             <a:schemeClr val="tx1"/>
           </a:solidFill>
@@ -2712,16 +2712,16 @@
           <a:cs typeface="+mn-cs"/>
         </a:defRPr>
       </a:lvl1pPr>
-      <a:lvl2pPr marL="740664" indent="-246888" algn="l" defTabSz="987552" rtl="0" eaLnBrk="1" latinLnBrk="0" hangingPunct="1">
+      <a:lvl2pPr marL="702328" indent="-234109" algn="l" defTabSz="936437" rtl="0" eaLnBrk="1" latinLnBrk="0" hangingPunct="1">
         <a:lnSpc>
           <a:spcPct val="90000"/>
         </a:lnSpc>
         <a:spcBef>
-          <a:spcPts val="540"/>
+          <a:spcPts val="512"/>
         </a:spcBef>
         <a:buFont typeface="Arial" panose="020B0604020202020204" pitchFamily="34" charset="0"/>
         <a:buChar char="•"/>
-        <a:defRPr sz="2592" kern="1200">
+        <a:defRPr sz="2458" kern="1200">
           <a:solidFill>
             <a:schemeClr val="tx1"/>
           </a:solidFill>
@@ -2730,16 +2730,16 @@
           <a:cs typeface="+mn-cs"/>
         </a:defRPr>
       </a:lvl2pPr>
-      <a:lvl3pPr marL="1234440" indent="-246888" algn="l" defTabSz="987552" rtl="0" eaLnBrk="1" latinLnBrk="0" hangingPunct="1">
+      <a:lvl3pPr marL="1170546" indent="-234109" algn="l" defTabSz="936437" rtl="0" eaLnBrk="1" latinLnBrk="0" hangingPunct="1">
         <a:lnSpc>
           <a:spcPct val="90000"/>
         </a:lnSpc>
         <a:spcBef>
-          <a:spcPts val="540"/>
+          <a:spcPts val="512"/>
         </a:spcBef>
         <a:buFont typeface="Arial" panose="020B0604020202020204" pitchFamily="34" charset="0"/>
         <a:buChar char="•"/>
-        <a:defRPr sz="2160" kern="1200">
+        <a:defRPr sz="2048" kern="1200">
           <a:solidFill>
             <a:schemeClr val="tx1"/>
           </a:solidFill>
@@ -2748,16 +2748,16 @@
           <a:cs typeface="+mn-cs"/>
         </a:defRPr>
       </a:lvl3pPr>
-      <a:lvl4pPr marL="1728216" indent="-246888" algn="l" defTabSz="987552" rtl="0" eaLnBrk="1" latinLnBrk="0" hangingPunct="1">
+      <a:lvl4pPr marL="1638765" indent="-234109" algn="l" defTabSz="936437" rtl="0" eaLnBrk="1" latinLnBrk="0" hangingPunct="1">
         <a:lnSpc>
           <a:spcPct val="90000"/>
         </a:lnSpc>
         <a:spcBef>
-          <a:spcPts val="540"/>
+          <a:spcPts val="512"/>
         </a:spcBef>
         <a:buFont typeface="Arial" panose="020B0604020202020204" pitchFamily="34" charset="0"/>
         <a:buChar char="•"/>
-        <a:defRPr sz="1944" kern="1200">
+        <a:defRPr sz="1843" kern="1200">
           <a:solidFill>
             <a:schemeClr val="tx1"/>
           </a:solidFill>
@@ -2766,16 +2766,16 @@
           <a:cs typeface="+mn-cs"/>
         </a:defRPr>
       </a:lvl4pPr>
-      <a:lvl5pPr marL="2221992" indent="-246888" algn="l" defTabSz="987552" rtl="0" eaLnBrk="1" latinLnBrk="0" hangingPunct="1">
+      <a:lvl5pPr marL="2106983" indent="-234109" algn="l" defTabSz="936437" rtl="0" eaLnBrk="1" latinLnBrk="0" hangingPunct="1">
         <a:lnSpc>
           <a:spcPct val="90000"/>
         </a:lnSpc>
         <a:spcBef>
-          <a:spcPts val="540"/>
+          <a:spcPts val="512"/>
         </a:spcBef>
         <a:buFont typeface="Arial" panose="020B0604020202020204" pitchFamily="34" charset="0"/>
         <a:buChar char="•"/>
-        <a:defRPr sz="1944" kern="1200">
+        <a:defRPr sz="1843" kern="1200">
           <a:solidFill>
             <a:schemeClr val="tx1"/>
           </a:solidFill>
@@ -2784,16 +2784,16 @@
           <a:cs typeface="+mn-cs"/>
         </a:defRPr>
       </a:lvl5pPr>
-      <a:lvl6pPr marL="2715768" indent="-246888" algn="l" defTabSz="987552" rtl="0" eaLnBrk="1" latinLnBrk="0" hangingPunct="1">
+      <a:lvl6pPr marL="2575202" indent="-234109" algn="l" defTabSz="936437" rtl="0" eaLnBrk="1" latinLnBrk="0" hangingPunct="1">
         <a:lnSpc>
           <a:spcPct val="90000"/>
         </a:lnSpc>
         <a:spcBef>
-          <a:spcPts val="540"/>
+          <a:spcPts val="512"/>
         </a:spcBef>
         <a:buFont typeface="Arial" panose="020B0604020202020204" pitchFamily="34" charset="0"/>
         <a:buChar char="•"/>
-        <a:defRPr sz="1944" kern="1200">
+        <a:defRPr sz="1843" kern="1200">
           <a:solidFill>
             <a:schemeClr val="tx1"/>
           </a:solidFill>
@@ -2802,16 +2802,16 @@
           <a:cs typeface="+mn-cs"/>
         </a:defRPr>
       </a:lvl6pPr>
-      <a:lvl7pPr marL="3209544" indent="-246888" algn="l" defTabSz="987552" rtl="0" eaLnBrk="1" latinLnBrk="0" hangingPunct="1">
+      <a:lvl7pPr marL="3043420" indent="-234109" algn="l" defTabSz="936437" rtl="0" eaLnBrk="1" latinLnBrk="0" hangingPunct="1">
         <a:lnSpc>
           <a:spcPct val="90000"/>
         </a:lnSpc>
         <a:spcBef>
-          <a:spcPts val="540"/>
+          <a:spcPts val="512"/>
         </a:spcBef>
         <a:buFont typeface="Arial" panose="020B0604020202020204" pitchFamily="34" charset="0"/>
         <a:buChar char="•"/>
-        <a:defRPr sz="1944" kern="1200">
+        <a:defRPr sz="1843" kern="1200">
           <a:solidFill>
             <a:schemeClr val="tx1"/>
           </a:solidFill>
@@ -2820,16 +2820,16 @@
           <a:cs typeface="+mn-cs"/>
         </a:defRPr>
       </a:lvl7pPr>
-      <a:lvl8pPr marL="3703320" indent="-246888" algn="l" defTabSz="987552" rtl="0" eaLnBrk="1" latinLnBrk="0" hangingPunct="1">
+      <a:lvl8pPr marL="3511639" indent="-234109" algn="l" defTabSz="936437" rtl="0" eaLnBrk="1" latinLnBrk="0" hangingPunct="1">
         <a:lnSpc>
           <a:spcPct val="90000"/>
         </a:lnSpc>
         <a:spcBef>
-          <a:spcPts val="540"/>
+          <a:spcPts val="512"/>
         </a:spcBef>
         <a:buFont typeface="Arial" panose="020B0604020202020204" pitchFamily="34" charset="0"/>
         <a:buChar char="•"/>
-        <a:defRPr sz="1944" kern="1200">
+        <a:defRPr sz="1843" kern="1200">
           <a:solidFill>
             <a:schemeClr val="tx1"/>
           </a:solidFill>
@@ -2838,16 +2838,16 @@
           <a:cs typeface="+mn-cs"/>
         </a:defRPr>
       </a:lvl8pPr>
-      <a:lvl9pPr marL="4197096" indent="-246888" algn="l" defTabSz="987552" rtl="0" eaLnBrk="1" latinLnBrk="0" hangingPunct="1">
+      <a:lvl9pPr marL="3979857" indent="-234109" algn="l" defTabSz="936437" rtl="0" eaLnBrk="1" latinLnBrk="0" hangingPunct="1">
         <a:lnSpc>
           <a:spcPct val="90000"/>
         </a:lnSpc>
         <a:spcBef>
-          <a:spcPts val="540"/>
+          <a:spcPts val="512"/>
         </a:spcBef>
         <a:buFont typeface="Arial" panose="020B0604020202020204" pitchFamily="34" charset="0"/>
         <a:buChar char="•"/>
-        <a:defRPr sz="1944" kern="1200">
+        <a:defRPr sz="1843" kern="1200">
           <a:solidFill>
             <a:schemeClr val="tx1"/>
           </a:solidFill>
@@ -2861,8 +2861,8 @@
       <a:defPPr>
         <a:defRPr lang="en-US"/>
       </a:defPPr>
-      <a:lvl1pPr marL="0" algn="l" defTabSz="987552" rtl="0" eaLnBrk="1" latinLnBrk="0" hangingPunct="1">
-        <a:defRPr sz="1944" kern="1200">
+      <a:lvl1pPr marL="0" algn="l" defTabSz="936437" rtl="0" eaLnBrk="1" latinLnBrk="0" hangingPunct="1">
+        <a:defRPr sz="1843" kern="1200">
           <a:solidFill>
             <a:schemeClr val="tx1"/>
           </a:solidFill>
@@ -2871,8 +2871,8 @@
           <a:cs typeface="+mn-cs"/>
         </a:defRPr>
       </a:lvl1pPr>
-      <a:lvl2pPr marL="493776" algn="l" defTabSz="987552" rtl="0" eaLnBrk="1" latinLnBrk="0" hangingPunct="1">
-        <a:defRPr sz="1944" kern="1200">
+      <a:lvl2pPr marL="468219" algn="l" defTabSz="936437" rtl="0" eaLnBrk="1" latinLnBrk="0" hangingPunct="1">
+        <a:defRPr sz="1843" kern="1200">
           <a:solidFill>
             <a:schemeClr val="tx1"/>
           </a:solidFill>
@@ -2881,8 +2881,8 @@
           <a:cs typeface="+mn-cs"/>
         </a:defRPr>
       </a:lvl2pPr>
-      <a:lvl3pPr marL="987552" algn="l" defTabSz="987552" rtl="0" eaLnBrk="1" latinLnBrk="0" hangingPunct="1">
-        <a:defRPr sz="1944" kern="1200">
+      <a:lvl3pPr marL="936437" algn="l" defTabSz="936437" rtl="0" eaLnBrk="1" latinLnBrk="0" hangingPunct="1">
+        <a:defRPr sz="1843" kern="1200">
           <a:solidFill>
             <a:schemeClr val="tx1"/>
           </a:solidFill>
@@ -2891,8 +2891,8 @@
           <a:cs typeface="+mn-cs"/>
         </a:defRPr>
       </a:lvl3pPr>
-      <a:lvl4pPr marL="1481328" algn="l" defTabSz="987552" rtl="0" eaLnBrk="1" latinLnBrk="0" hangingPunct="1">
-        <a:defRPr sz="1944" kern="1200">
+      <a:lvl4pPr marL="1404656" algn="l" defTabSz="936437" rtl="0" eaLnBrk="1" latinLnBrk="0" hangingPunct="1">
+        <a:defRPr sz="1843" kern="1200">
           <a:solidFill>
             <a:schemeClr val="tx1"/>
           </a:solidFill>
@@ -2901,8 +2901,8 @@
           <a:cs typeface="+mn-cs"/>
         </a:defRPr>
       </a:lvl4pPr>
-      <a:lvl5pPr marL="1975104" algn="l" defTabSz="987552" rtl="0" eaLnBrk="1" latinLnBrk="0" hangingPunct="1">
-        <a:defRPr sz="1944" kern="1200">
+      <a:lvl5pPr marL="1872874" algn="l" defTabSz="936437" rtl="0" eaLnBrk="1" latinLnBrk="0" hangingPunct="1">
+        <a:defRPr sz="1843" kern="1200">
           <a:solidFill>
             <a:schemeClr val="tx1"/>
           </a:solidFill>
@@ -2911,8 +2911,8 @@
           <a:cs typeface="+mn-cs"/>
         </a:defRPr>
       </a:lvl5pPr>
-      <a:lvl6pPr marL="2468880" algn="l" defTabSz="987552" rtl="0" eaLnBrk="1" latinLnBrk="0" hangingPunct="1">
-        <a:defRPr sz="1944" kern="1200">
+      <a:lvl6pPr marL="2341093" algn="l" defTabSz="936437" rtl="0" eaLnBrk="1" latinLnBrk="0" hangingPunct="1">
+        <a:defRPr sz="1843" kern="1200">
           <a:solidFill>
             <a:schemeClr val="tx1"/>
           </a:solidFill>
@@ -2921,8 +2921,8 @@
           <a:cs typeface="+mn-cs"/>
         </a:defRPr>
       </a:lvl6pPr>
-      <a:lvl7pPr marL="2962656" algn="l" defTabSz="987552" rtl="0" eaLnBrk="1" latinLnBrk="0" hangingPunct="1">
-        <a:defRPr sz="1944" kern="1200">
+      <a:lvl7pPr marL="2809311" algn="l" defTabSz="936437" rtl="0" eaLnBrk="1" latinLnBrk="0" hangingPunct="1">
+        <a:defRPr sz="1843" kern="1200">
           <a:solidFill>
             <a:schemeClr val="tx1"/>
           </a:solidFill>
@@ -2931,8 +2931,8 @@
           <a:cs typeface="+mn-cs"/>
         </a:defRPr>
       </a:lvl7pPr>
-      <a:lvl8pPr marL="3456432" algn="l" defTabSz="987552" rtl="0" eaLnBrk="1" latinLnBrk="0" hangingPunct="1">
-        <a:defRPr sz="1944" kern="1200">
+      <a:lvl8pPr marL="3277530" algn="l" defTabSz="936437" rtl="0" eaLnBrk="1" latinLnBrk="0" hangingPunct="1">
+        <a:defRPr sz="1843" kern="1200">
           <a:solidFill>
             <a:schemeClr val="tx1"/>
           </a:solidFill>
@@ -2941,8 +2941,8 @@
           <a:cs typeface="+mn-cs"/>
         </a:defRPr>
       </a:lvl8pPr>
-      <a:lvl9pPr marL="3950208" algn="l" defTabSz="987552" rtl="0" eaLnBrk="1" latinLnBrk="0" hangingPunct="1">
-        <a:defRPr sz="1944" kern="1200">
+      <a:lvl9pPr marL="3745748" algn="l" defTabSz="936437" rtl="0" eaLnBrk="1" latinLnBrk="0" hangingPunct="1">
+        <a:defRPr sz="1843" kern="1200">
           <a:solidFill>
             <a:schemeClr val="tx1"/>
           </a:solidFill>
@@ -2995,8 +2995,8 @@
         </p:blipFill>
         <p:spPr>
           <a:xfrm>
-            <a:off x="1908969" y="1870869"/>
-            <a:ext cx="6057900" cy="4305300"/>
+            <a:off x="4761" y="2212"/>
+            <a:ext cx="9884664" cy="7024949"/>
           </a:xfrm>
           <a:prstGeom prst="rect">
             <a:avLst/>
@@ -3013,6 +3013,105 @@
   <p:clrMapOvr>
     <a:masterClrMapping/>
   </p:clrMapOvr>
+  <p:timing>
+    <p:tnLst>
+      <p:par>
+        <p:cTn id="1" dur="indefinite" restart="never" nodeType="tmRoot">
+          <p:childTnLst>
+            <p:seq concurrent="1" nextAc="seek">
+              <p:cTn id="2" dur="indefinite" nodeType="mainSeq">
+                <p:childTnLst>
+                  <p:par>
+                    <p:cTn id="3" fill="hold">
+                      <p:stCondLst>
+                        <p:cond delay="indefinite"/>
+                      </p:stCondLst>
+                      <p:childTnLst>
+                        <p:par>
+                          <p:cTn id="4" fill="hold">
+                            <p:stCondLst>
+                              <p:cond delay="0"/>
+                            </p:stCondLst>
+                            <p:childTnLst>
+                              <p:par>
+                                <p:cTn id="5" presetID="1" presetClass="emph" presetSubtype="2" fill="hold" nodeType="clickEffect">
+                                  <p:stCondLst>
+                                    <p:cond delay="0"/>
+                                  </p:stCondLst>
+                                  <p:childTnLst>
+                                    <p:animClr clrSpc="rgb" dir="cw">
+                                      <p:cBhvr>
+                                        <p:cTn id="6" dur="2000" fill="hold"/>
+                                        <p:tgtEl>
+                                          <p:spTgt spid="3"/>
+                                        </p:tgtEl>
+                                        <p:attrNameLst>
+                                          <p:attrName>fillcolor</p:attrName>
+                                        </p:attrNameLst>
+                                      </p:cBhvr>
+                                      <p:to>
+                                        <a:schemeClr val="accent2"/>
+                                      </p:to>
+                                    </p:animClr>
+                                    <p:set>
+                                      <p:cBhvr>
+                                        <p:cTn id="7" dur="2000" fill="hold"/>
+                                        <p:tgtEl>
+                                          <p:spTgt spid="3"/>
+                                        </p:tgtEl>
+                                        <p:attrNameLst>
+                                          <p:attrName>fill.type</p:attrName>
+                                        </p:attrNameLst>
+                                      </p:cBhvr>
+                                      <p:to>
+                                        <p:strVal val="solid"/>
+                                      </p:to>
+                                    </p:set>
+                                    <p:set>
+                                      <p:cBhvr>
+                                        <p:cTn id="8" dur="2000" fill="hold"/>
+                                        <p:tgtEl>
+                                          <p:spTgt spid="3"/>
+                                        </p:tgtEl>
+                                        <p:attrNameLst>
+                                          <p:attrName>fill.on</p:attrName>
+                                        </p:attrNameLst>
+                                      </p:cBhvr>
+                                      <p:to>
+                                        <p:strVal val="true"/>
+                                      </p:to>
+                                    </p:set>
+                                  </p:childTnLst>
+                                </p:cTn>
+                              </p:par>
+                            </p:childTnLst>
+                          </p:cTn>
+                        </p:par>
+                      </p:childTnLst>
+                    </p:cTn>
+                  </p:par>
+                </p:childTnLst>
+              </p:cTn>
+              <p:prevCondLst>
+                <p:cond evt="onPrev" delay="0">
+                  <p:tgtEl>
+                    <p:sldTgt/>
+                  </p:tgtEl>
+                </p:cond>
+              </p:prevCondLst>
+              <p:nextCondLst>
+                <p:cond evt="onNext" delay="0">
+                  <p:tgtEl>
+                    <p:sldTgt/>
+                  </p:tgtEl>
+                </p:cond>
+              </p:nextCondLst>
+            </p:seq>
+          </p:childTnLst>
+        </p:cTn>
+      </p:par>
+    </p:tnLst>
+  </p:timing>
 </p:sld>
 </file>
 
